--- a/Presentación Integrador 1.pptx
+++ b/Presentación Integrador 1.pptx
@@ -7,14 +7,15 @@
   <p:sldIdLst>
     <p:sldId id="256" r:id="rId2"/>
     <p:sldId id="257" r:id="rId3"/>
-    <p:sldId id="258" r:id="rId4"/>
-    <p:sldId id="259" r:id="rId5"/>
-    <p:sldId id="260" r:id="rId6"/>
-    <p:sldId id="261" r:id="rId7"/>
-    <p:sldId id="262" r:id="rId8"/>
-    <p:sldId id="263" r:id="rId9"/>
-    <p:sldId id="264" r:id="rId10"/>
-    <p:sldId id="265" r:id="rId11"/>
+    <p:sldId id="266" r:id="rId4"/>
+    <p:sldId id="258" r:id="rId5"/>
+    <p:sldId id="259" r:id="rId6"/>
+    <p:sldId id="260" r:id="rId7"/>
+    <p:sldId id="261" r:id="rId8"/>
+    <p:sldId id="262" r:id="rId9"/>
+    <p:sldId id="263" r:id="rId10"/>
+    <p:sldId id="264" r:id="rId11"/>
+    <p:sldId id="265" r:id="rId12"/>
   </p:sldIdLst>
   <p:sldSz cx="12192000" cy="6858000"/>
   <p:notesSz cx="6858000" cy="9144000"/>
@@ -3783,6 +3784,417 @@
           <p:cNvPr id="2" name="Título 1">
             <a:extLst>
               <a:ext uri="{FF2B5EF4-FFF2-40B4-BE49-F238E27FC236}">
+                <a16:creationId xmlns:a16="http://schemas.microsoft.com/office/drawing/2014/main" id="{B31C1447-A40C-4306-BBF2-64B67A427531}"/>
+              </a:ext>
+            </a:extLst>
+          </p:cNvPr>
+          <p:cNvSpPr>
+            <a:spLocks noGrp="1"/>
+          </p:cNvSpPr>
+          <p:nvPr>
+            <p:ph type="title"/>
+          </p:nvPr>
+        </p:nvSpPr>
+        <p:spPr>
+          <a:xfrm>
+            <a:off x="1451579" y="804519"/>
+            <a:ext cx="9603275" cy="1049235"/>
+          </a:xfrm>
+        </p:spPr>
+        <p:txBody>
+          <a:bodyPr/>
+          <a:lstStyle/>
+          <a:p>
+            <a:r>
+              <a:rPr lang="es-CO" b="1" cap="none" dirty="0"/>
+              <a:t>Fase 5: evaluación y selección de la mejor solución</a:t>
+            </a:r>
+            <a:endParaRPr lang="es-CO" b="1" dirty="0"/>
+          </a:p>
+        </p:txBody>
+      </p:sp>
+      <p:pic>
+        <p:nvPicPr>
+          <p:cNvPr id="4" name="Picture 4">
+            <a:extLst>
+              <a:ext uri="{FF2B5EF4-FFF2-40B4-BE49-F238E27FC236}">
+                <a16:creationId xmlns:a16="http://schemas.microsoft.com/office/drawing/2014/main" id="{1AC72799-F12A-447F-A1FB-BC6797D886C4}"/>
+              </a:ext>
+            </a:extLst>
+          </p:cNvPr>
+          <p:cNvPicPr>
+            <a:picLocks noGrp="1" noChangeAspect="1"/>
+          </p:cNvPicPr>
+          <p:nvPr>
+            <p:ph idx="1"/>
+          </p:nvPr>
+        </p:nvPicPr>
+        <p:blipFill>
+          <a:blip r:embed="rId2"/>
+          <a:stretch>
+            <a:fillRect/>
+          </a:stretch>
+        </p:blipFill>
+        <p:spPr>
+          <a:xfrm>
+            <a:off x="2592608" y="3846064"/>
+            <a:ext cx="7200900" cy="1514475"/>
+          </a:xfrm>
+          <a:prstGeom prst="rect">
+            <a:avLst/>
+          </a:prstGeom>
+        </p:spPr>
+      </p:pic>
+      <p:sp>
+        <p:nvSpPr>
+          <p:cNvPr id="9" name="TextBox 8">
+            <a:extLst>
+              <a:ext uri="{FF2B5EF4-FFF2-40B4-BE49-F238E27FC236}">
+                <a16:creationId xmlns:a16="http://schemas.microsoft.com/office/drawing/2014/main" id="{D540AD30-E284-4E49-94F2-C40872EA9D48}"/>
+              </a:ext>
+            </a:extLst>
+          </p:cNvPr>
+          <p:cNvSpPr txBox="1"/>
+          <p:nvPr/>
+        </p:nvSpPr>
+        <p:spPr>
+          <a:xfrm>
+            <a:off x="10098505" y="4062663"/>
+            <a:ext cx="2743200" cy="1169551"/>
+          </a:xfrm>
+          <a:prstGeom prst="rect">
+            <a:avLst/>
+          </a:prstGeom>
+        </p:spPr>
+        <p:txBody>
+          <a:bodyPr rot="0" spcFirstLastPara="0" vertOverflow="overflow" horzOverflow="overflow" vert="horz" wrap="square" lIns="91440" tIns="45720" rIns="91440" bIns="45720" numCol="1" spcCol="0" rtlCol="0" fromWordArt="0" anchor="t" anchorCtr="0" forceAA="0" compatLnSpc="1">
+            <a:prstTxWarp prst="textNoShape">
+              <a:avLst/>
+            </a:prstTxWarp>
+            <a:spAutoFit/>
+          </a:bodyPr>
+          <a:lstStyle/>
+          <a:p>
+            <a:r>
+              <a:rPr lang="es-CO" sz="1400">
+                <a:latin typeface="Times New Roman"/>
+                <a:cs typeface="Segoe UI"/>
+              </a:rPr>
+              <a:t>(1). Muy bajo</a:t>
+            </a:r>
+            <a:r>
+              <a:rPr lang="es-ES" sz="1400">
+                <a:latin typeface="Times New Roman"/>
+                <a:cs typeface="Segoe UI"/>
+              </a:rPr>
+              <a:t> </a:t>
+            </a:r>
+          </a:p>
+          <a:p>
+            <a:r>
+              <a:rPr lang="es-CO" sz="1400">
+                <a:latin typeface="Times New Roman"/>
+                <a:cs typeface="Segoe UI"/>
+              </a:rPr>
+              <a:t>(2). Medio</a:t>
+            </a:r>
+            <a:r>
+              <a:rPr lang="es-ES" sz="1400">
+                <a:latin typeface="Times New Roman"/>
+                <a:cs typeface="Segoe UI"/>
+              </a:rPr>
+              <a:t> </a:t>
+            </a:r>
+          </a:p>
+          <a:p>
+            <a:r>
+              <a:rPr lang="es-CO" sz="1400">
+                <a:latin typeface="Times New Roman"/>
+                <a:cs typeface="Segoe UI"/>
+              </a:rPr>
+              <a:t>(3). Normal</a:t>
+            </a:r>
+            <a:r>
+              <a:rPr lang="es-ES" sz="1400">
+                <a:latin typeface="Times New Roman"/>
+                <a:cs typeface="Segoe UI"/>
+              </a:rPr>
+              <a:t> </a:t>
+            </a:r>
+          </a:p>
+          <a:p>
+            <a:r>
+              <a:rPr lang="es-CO" sz="1400">
+                <a:latin typeface="Times New Roman"/>
+                <a:cs typeface="Segoe UI"/>
+              </a:rPr>
+              <a:t>(4). Alto</a:t>
+            </a:r>
+            <a:r>
+              <a:rPr lang="es-ES" sz="1400">
+                <a:latin typeface="Times New Roman"/>
+                <a:cs typeface="Segoe UI"/>
+              </a:rPr>
+              <a:t> </a:t>
+            </a:r>
+          </a:p>
+          <a:p>
+            <a:pPr algn="just"/>
+            <a:r>
+              <a:rPr lang="es-CO" sz="1400">
+                <a:latin typeface="Times New Roman"/>
+                <a:cs typeface="Segoe UI"/>
+              </a:rPr>
+              <a:t>(5). Muy alto</a:t>
+            </a:r>
+            <a:r>
+              <a:rPr lang="es-ES" sz="1400">
+                <a:latin typeface="Times New Roman"/>
+                <a:cs typeface="Segoe UI"/>
+              </a:rPr>
+              <a:t> </a:t>
+            </a:r>
+          </a:p>
+        </p:txBody>
+      </p:sp>
+      <p:sp>
+        <p:nvSpPr>
+          <p:cNvPr id="10" name="TextBox 9">
+            <a:extLst>
+              <a:ext uri="{FF2B5EF4-FFF2-40B4-BE49-F238E27FC236}">
+                <a16:creationId xmlns:a16="http://schemas.microsoft.com/office/drawing/2014/main" id="{EF1D88CD-76C5-41B6-858E-B535FAD6B951}"/>
+              </a:ext>
+            </a:extLst>
+          </p:cNvPr>
+          <p:cNvSpPr txBox="1"/>
+          <p:nvPr/>
+        </p:nvSpPr>
+        <p:spPr>
+          <a:xfrm>
+            <a:off x="1505953" y="2648953"/>
+            <a:ext cx="2743200" cy="369332"/>
+          </a:xfrm>
+          <a:prstGeom prst="rect">
+            <a:avLst/>
+          </a:prstGeom>
+        </p:spPr>
+        <p:txBody>
+          <a:bodyPr rot="0" spcFirstLastPara="0" vertOverflow="overflow" horzOverflow="overflow" vert="horz" wrap="square" lIns="91440" tIns="45720" rIns="91440" bIns="45720" numCol="1" spcCol="0" rtlCol="0" fromWordArt="0" anchor="t" anchorCtr="0" forceAA="0" compatLnSpc="1">
+            <a:prstTxWarp prst="textNoShape">
+              <a:avLst/>
+            </a:prstTxWarp>
+            <a:spAutoFit/>
+          </a:bodyPr>
+          <a:lstStyle/>
+          <a:p>
+            <a:r>
+              <a:rPr lang="es-CO">
+                <a:latin typeface="Times New Roman"/>
+              </a:rPr>
+              <a:t>Criterio B. Costo</a:t>
+            </a:r>
+            <a:endParaRPr lang="en-US"/>
+          </a:p>
+        </p:txBody>
+      </p:sp>
+      <p:sp>
+        <p:nvSpPr>
+          <p:cNvPr id="12" name="TextBox 11">
+            <a:extLst>
+              <a:ext uri="{FF2B5EF4-FFF2-40B4-BE49-F238E27FC236}">
+                <a16:creationId xmlns:a16="http://schemas.microsoft.com/office/drawing/2014/main" id="{9403BCB8-A5A4-480C-BD0D-3DF0F5954EFC}"/>
+              </a:ext>
+            </a:extLst>
+          </p:cNvPr>
+          <p:cNvSpPr txBox="1"/>
+          <p:nvPr/>
+        </p:nvSpPr>
+        <p:spPr>
+          <a:xfrm>
+            <a:off x="1505953" y="2237874"/>
+            <a:ext cx="2743200" cy="369332"/>
+          </a:xfrm>
+          <a:prstGeom prst="rect">
+            <a:avLst/>
+          </a:prstGeom>
+        </p:spPr>
+        <p:txBody>
+          <a:bodyPr rot="0" spcFirstLastPara="0" vertOverflow="overflow" horzOverflow="overflow" vert="horz" wrap="square" lIns="91440" tIns="45720" rIns="91440" bIns="45720" numCol="1" spcCol="0" rtlCol="0" fromWordArt="0" anchor="t" anchorCtr="0" forceAA="0" compatLnSpc="1">
+            <a:prstTxWarp prst="textNoShape">
+              <a:avLst/>
+            </a:prstTxWarp>
+            <a:spAutoFit/>
+          </a:bodyPr>
+          <a:lstStyle/>
+          <a:p>
+            <a:r>
+              <a:rPr lang="es-CO">
+                <a:latin typeface="Times New Roman"/>
+              </a:rPr>
+              <a:t>Criterio A. Eficacia</a:t>
+            </a:r>
+            <a:endParaRPr lang="en-US"/>
+          </a:p>
+        </p:txBody>
+      </p:sp>
+      <p:sp>
+        <p:nvSpPr>
+          <p:cNvPr id="26" name="TextBox 25">
+            <a:extLst>
+              <a:ext uri="{FF2B5EF4-FFF2-40B4-BE49-F238E27FC236}">
+                <a16:creationId xmlns:a16="http://schemas.microsoft.com/office/drawing/2014/main" id="{1B94814A-508F-4A66-8C6E-956B56E8D509}"/>
+              </a:ext>
+            </a:extLst>
+          </p:cNvPr>
+          <p:cNvSpPr txBox="1"/>
+          <p:nvPr/>
+        </p:nvSpPr>
+        <p:spPr>
+          <a:xfrm>
+            <a:off x="1505953" y="3070058"/>
+            <a:ext cx="2743200" cy="369332"/>
+          </a:xfrm>
+          <a:prstGeom prst="rect">
+            <a:avLst/>
+          </a:prstGeom>
+        </p:spPr>
+        <p:txBody>
+          <a:bodyPr rot="0" spcFirstLastPara="0" vertOverflow="overflow" horzOverflow="overflow" vert="horz" wrap="square" lIns="91440" tIns="45720" rIns="91440" bIns="45720" numCol="1" spcCol="0" rtlCol="0" fromWordArt="0" anchor="t" anchorCtr="0" forceAA="0" compatLnSpc="1">
+            <a:prstTxWarp prst="textNoShape">
+              <a:avLst/>
+            </a:prstTxWarp>
+            <a:spAutoFit/>
+          </a:bodyPr>
+          <a:lstStyle/>
+          <a:p>
+            <a:r>
+              <a:rPr lang="es-CO">
+                <a:latin typeface="Times New Roman"/>
+              </a:rPr>
+              <a:t>Criterio C. Libertad</a:t>
+            </a:r>
+            <a:endParaRPr lang="es-CO">
+              <a:latin typeface="Times New Roman"/>
+              <a:cs typeface="Times New Roman"/>
+            </a:endParaRPr>
+          </a:p>
+        </p:txBody>
+      </p:sp>
+      <p:sp>
+        <p:nvSpPr>
+          <p:cNvPr id="28" name="TextBox 27">
+            <a:extLst>
+              <a:ext uri="{FF2B5EF4-FFF2-40B4-BE49-F238E27FC236}">
+                <a16:creationId xmlns:a16="http://schemas.microsoft.com/office/drawing/2014/main" id="{A0C7EB8D-1A2B-4B3A-BF86-02DA772B91C9}"/>
+              </a:ext>
+            </a:extLst>
+          </p:cNvPr>
+          <p:cNvSpPr txBox="1"/>
+          <p:nvPr/>
+        </p:nvSpPr>
+        <p:spPr>
+          <a:xfrm>
+            <a:off x="4152900" y="2658979"/>
+            <a:ext cx="2743200" cy="369332"/>
+          </a:xfrm>
+          <a:prstGeom prst="rect">
+            <a:avLst/>
+          </a:prstGeom>
+        </p:spPr>
+        <p:txBody>
+          <a:bodyPr rot="0" spcFirstLastPara="0" vertOverflow="overflow" horzOverflow="overflow" vert="horz" wrap="square" lIns="91440" tIns="45720" rIns="91440" bIns="45720" numCol="1" spcCol="0" rtlCol="0" fromWordArt="0" anchor="t" anchorCtr="0" forceAA="0" compatLnSpc="1">
+            <a:prstTxWarp prst="textNoShape">
+              <a:avLst/>
+            </a:prstTxWarp>
+            <a:spAutoFit/>
+          </a:bodyPr>
+          <a:lstStyle/>
+          <a:p>
+            <a:r>
+              <a:rPr lang="es-CO">
+                <a:latin typeface="Times New Roman"/>
+              </a:rPr>
+              <a:t>Criterio E. Manejo de datos</a:t>
+            </a:r>
+            <a:endParaRPr lang="en-US"/>
+          </a:p>
+        </p:txBody>
+      </p:sp>
+      <p:sp>
+        <p:nvSpPr>
+          <p:cNvPr id="30" name="TextBox 29">
+            <a:extLst>
+              <a:ext uri="{FF2B5EF4-FFF2-40B4-BE49-F238E27FC236}">
+                <a16:creationId xmlns:a16="http://schemas.microsoft.com/office/drawing/2014/main" id="{F7F7DB0F-767D-4371-A84E-233FB1D406CE}"/>
+              </a:ext>
+            </a:extLst>
+          </p:cNvPr>
+          <p:cNvSpPr txBox="1"/>
+          <p:nvPr/>
+        </p:nvSpPr>
+        <p:spPr>
+          <a:xfrm>
+            <a:off x="4152900" y="2247900"/>
+            <a:ext cx="2743200" cy="369332"/>
+          </a:xfrm>
+          <a:prstGeom prst="rect">
+            <a:avLst/>
+          </a:prstGeom>
+        </p:spPr>
+        <p:txBody>
+          <a:bodyPr rot="0" spcFirstLastPara="0" vertOverflow="overflow" horzOverflow="overflow" vert="horz" wrap="square" lIns="91440" tIns="45720" rIns="91440" bIns="45720" numCol="1" spcCol="0" rtlCol="0" fromWordArt="0" anchor="t" anchorCtr="0" forceAA="0" compatLnSpc="1">
+            <a:prstTxWarp prst="textNoShape">
+              <a:avLst/>
+            </a:prstTxWarp>
+            <a:spAutoFit/>
+          </a:bodyPr>
+          <a:lstStyle/>
+          <a:p>
+            <a:r>
+              <a:rPr lang="es-CO">
+                <a:latin typeface="Times New Roman"/>
+              </a:rPr>
+              <a:t>Criterio D. Variedad</a:t>
+            </a:r>
+            <a:endParaRPr lang="en-US"/>
+          </a:p>
+        </p:txBody>
+      </p:sp>
+    </p:spTree>
+    <p:extLst>
+      <p:ext uri="{BB962C8B-B14F-4D97-AF65-F5344CB8AC3E}">
+        <p14:creationId xmlns:p14="http://schemas.microsoft.com/office/powerpoint/2010/main" val="3563340458"/>
+      </p:ext>
+    </p:extLst>
+  </p:cSld>
+  <p:clrMapOvr>
+    <a:masterClrMapping/>
+  </p:clrMapOvr>
+</p:sld>
+</file>
+
+<file path=ppt/slides/slide11.xml><?xml version="1.0" encoding="utf-8"?>
+<p:sld xmlns:a="http://schemas.openxmlformats.org/drawingml/2006/main" xmlns:r="http://schemas.openxmlformats.org/officeDocument/2006/relationships" xmlns:p="http://schemas.openxmlformats.org/presentationml/2006/main">
+  <p:cSld>
+    <p:spTree>
+      <p:nvGrpSpPr>
+        <p:cNvPr id="1" name=""/>
+        <p:cNvGrpSpPr/>
+        <p:nvPr/>
+      </p:nvGrpSpPr>
+      <p:grpSpPr>
+        <a:xfrm>
+          <a:off x="0" y="0"/>
+          <a:ext cx="0" cy="0"/>
+          <a:chOff x="0" y="0"/>
+          <a:chExt cx="0" cy="0"/>
+        </a:xfrm>
+      </p:grpSpPr>
+      <p:sp>
+        <p:nvSpPr>
+          <p:cNvPr id="2" name="Título 1">
+            <a:extLst>
+              <a:ext uri="{FF2B5EF4-FFF2-40B4-BE49-F238E27FC236}">
                 <a16:creationId xmlns:a16="http://schemas.microsoft.com/office/drawing/2014/main" id="{F530A0CE-D94E-4EC6-8D2D-A7A2730DF4F2}"/>
               </a:ext>
             </a:extLst>
@@ -3970,6 +4382,116 @@
 </file>
 
 <file path=ppt/slides/slide3.xml><?xml version="1.0" encoding="utf-8"?>
+<p:sld xmlns:a="http://schemas.openxmlformats.org/drawingml/2006/main" xmlns:r="http://schemas.openxmlformats.org/officeDocument/2006/relationships" xmlns:p="http://schemas.openxmlformats.org/presentationml/2006/main">
+  <p:cSld>
+    <p:spTree>
+      <p:nvGrpSpPr>
+        <p:cNvPr id="1" name=""/>
+        <p:cNvGrpSpPr/>
+        <p:nvPr/>
+      </p:nvGrpSpPr>
+      <p:grpSpPr>
+        <a:xfrm>
+          <a:off x="0" y="0"/>
+          <a:ext cx="0" cy="0"/>
+          <a:chOff x="0" y="0"/>
+          <a:chExt cx="0" cy="0"/>
+        </a:xfrm>
+      </p:grpSpPr>
+      <p:sp>
+        <p:nvSpPr>
+          <p:cNvPr id="2" name="Título 1">
+            <a:extLst>
+              <a:ext uri="{FF2B5EF4-FFF2-40B4-BE49-F238E27FC236}">
+                <a16:creationId xmlns:a16="http://schemas.microsoft.com/office/drawing/2014/main" id="{197CE373-1730-48B2-A7FC-82831FC41098}"/>
+              </a:ext>
+            </a:extLst>
+          </p:cNvPr>
+          <p:cNvSpPr>
+            <a:spLocks noGrp="1"/>
+          </p:cNvSpPr>
+          <p:nvPr>
+            <p:ph type="title"/>
+          </p:nvPr>
+        </p:nvSpPr>
+        <p:spPr/>
+        <p:txBody>
+          <a:bodyPr/>
+          <a:lstStyle/>
+          <a:p>
+            <a:pPr algn="ctr"/>
+            <a:r>
+              <a:rPr lang="es-ES" dirty="0"/>
+              <a:t>REQUERIMIENTOS FUNCIONALES</a:t>
+            </a:r>
+          </a:p>
+        </p:txBody>
+      </p:sp>
+      <p:sp>
+        <p:nvSpPr>
+          <p:cNvPr id="3" name="Marcador de contenido 2">
+            <a:extLst>
+              <a:ext uri="{FF2B5EF4-FFF2-40B4-BE49-F238E27FC236}">
+                <a16:creationId xmlns:a16="http://schemas.microsoft.com/office/drawing/2014/main" id="{24292FF5-2114-4115-B7B0-6B011CAF3872}"/>
+              </a:ext>
+            </a:extLst>
+          </p:cNvPr>
+          <p:cNvSpPr>
+            <a:spLocks noGrp="1"/>
+          </p:cNvSpPr>
+          <p:nvPr>
+            <p:ph idx="1"/>
+          </p:nvPr>
+        </p:nvSpPr>
+        <p:spPr>
+          <a:xfrm>
+            <a:off x="3478786" y="2504562"/>
+            <a:ext cx="9603275" cy="3450613"/>
+          </a:xfrm>
+        </p:spPr>
+        <p:txBody>
+          <a:bodyPr/>
+          <a:lstStyle/>
+          <a:p>
+            <a:r>
+              <a:rPr lang="es-ES" dirty="0"/>
+              <a:t>R1: Visualizar mapa</a:t>
+            </a:r>
+          </a:p>
+          <a:p>
+            <a:r>
+              <a:rPr lang="es-ES" dirty="0"/>
+              <a:t>R2: Filtrar por clasificación de tienda</a:t>
+            </a:r>
+          </a:p>
+          <a:p>
+            <a:r>
+              <a:rPr lang="es-ES" dirty="0"/>
+              <a:t>R3: Marcar puntos de interés en el mapa.</a:t>
+            </a:r>
+          </a:p>
+          <a:p>
+            <a:r>
+              <a:rPr lang="es-ES" dirty="0"/>
+              <a:t>R4: Visualizar información de las tiendas.</a:t>
+            </a:r>
+          </a:p>
+        </p:txBody>
+      </p:sp>
+    </p:spTree>
+    <p:extLst>
+      <p:ext uri="{BB962C8B-B14F-4D97-AF65-F5344CB8AC3E}">
+        <p14:creationId xmlns:p14="http://schemas.microsoft.com/office/powerpoint/2010/main" val="3256230196"/>
+      </p:ext>
+    </p:extLst>
+  </p:cSld>
+  <p:clrMapOvr>
+    <a:masterClrMapping/>
+  </p:clrMapOvr>
+</p:sld>
+</file>
+
+<file path=ppt/slides/slide4.xml><?xml version="1.0" encoding="utf-8"?>
 <p:sld xmlns:a="http://schemas.openxmlformats.org/drawingml/2006/main" xmlns:r="http://schemas.openxmlformats.org/officeDocument/2006/relationships" xmlns:p="http://schemas.openxmlformats.org/presentationml/2006/main">
   <p:cSld>
     <p:bg>
@@ -4727,132 +5249,6 @@
 </p:sld>
 </file>
 
-<file path=ppt/slides/slide4.xml><?xml version="1.0" encoding="utf-8"?>
-<p:sld xmlns:a="http://schemas.openxmlformats.org/drawingml/2006/main" xmlns:r="http://schemas.openxmlformats.org/officeDocument/2006/relationships" xmlns:p="http://schemas.openxmlformats.org/presentationml/2006/main">
-  <p:cSld>
-    <p:spTree>
-      <p:nvGrpSpPr>
-        <p:cNvPr id="1" name=""/>
-        <p:cNvGrpSpPr/>
-        <p:nvPr/>
-      </p:nvGrpSpPr>
-      <p:grpSpPr>
-        <a:xfrm>
-          <a:off x="0" y="0"/>
-          <a:ext cx="0" cy="0"/>
-          <a:chOff x="0" y="0"/>
-          <a:chExt cx="0" cy="0"/>
-        </a:xfrm>
-      </p:grpSpPr>
-      <p:sp>
-        <p:nvSpPr>
-          <p:cNvPr id="2" name="Título 1">
-            <a:extLst>
-              <a:ext uri="{FF2B5EF4-FFF2-40B4-BE49-F238E27FC236}">
-                <a16:creationId xmlns:a16="http://schemas.microsoft.com/office/drawing/2014/main" id="{6727388A-3A9B-45D7-A70D-1C1B4F690663}"/>
-              </a:ext>
-            </a:extLst>
-          </p:cNvPr>
-          <p:cNvSpPr>
-            <a:spLocks noGrp="1"/>
-          </p:cNvSpPr>
-          <p:nvPr>
-            <p:ph type="title"/>
-          </p:nvPr>
-        </p:nvSpPr>
-        <p:spPr/>
-        <p:txBody>
-          <a:bodyPr/>
-          <a:lstStyle/>
-          <a:p>
-            <a:r>
-              <a:rPr lang="es-CO" cap="none" dirty="0"/>
-              <a:t>Fase 3: Búsqueda de soluciones creativas</a:t>
-            </a:r>
-          </a:p>
-        </p:txBody>
-      </p:sp>
-      <p:sp>
-        <p:nvSpPr>
-          <p:cNvPr id="3" name="Marcador de contenido 2">
-            <a:extLst>
-              <a:ext uri="{FF2B5EF4-FFF2-40B4-BE49-F238E27FC236}">
-                <a16:creationId xmlns:a16="http://schemas.microsoft.com/office/drawing/2014/main" id="{A67E120C-57DC-465F-988A-B63994CA024D}"/>
-              </a:ext>
-            </a:extLst>
-          </p:cNvPr>
-          <p:cNvSpPr>
-            <a:spLocks noGrp="1"/>
-          </p:cNvSpPr>
-          <p:nvPr>
-            <p:ph idx="1"/>
-          </p:nvPr>
-        </p:nvSpPr>
-        <p:spPr/>
-        <p:txBody>
-          <a:bodyPr/>
-          <a:lstStyle/>
-          <a:p>
-            <a:pPr marL="457200" indent="-457200" fontAlgn="base">
-              <a:buFont typeface="+mj-lt"/>
-              <a:buAutoNum type="arabicPeriod"/>
-            </a:pPr>
-            <a:r>
-              <a:rPr lang="es-CO" b="1" dirty="0"/>
-              <a:t>Ideas para el manejo del mapa en la aplicación:</a:t>
-            </a:r>
-            <a:r>
-              <a:rPr lang="es-CO" dirty="0"/>
-              <a:t> Las ideas para el manejo del mapa en la aplicación se harán con base en la librería de </a:t>
-            </a:r>
-            <a:r>
-              <a:rPr lang="es-CO" dirty="0" err="1"/>
-              <a:t>Gmap</a:t>
-            </a:r>
-            <a:r>
-              <a:rPr lang="es-CO" dirty="0"/>
-              <a:t> de Visual Studio. Esta herramienta nos proporciona y facilita diversas funcionalidades para el desarrollo de nuestra aplicación, como las siguientes:  </a:t>
-            </a:r>
-          </a:p>
-          <a:p>
-            <a:pPr lvl="1" fontAlgn="base"/>
-            <a:r>
-              <a:rPr lang="es-CO" dirty="0"/>
-              <a:t>Importar un mapa al proyecto </a:t>
-            </a:r>
-          </a:p>
-          <a:p>
-            <a:pPr lvl="1" fontAlgn="base"/>
-            <a:r>
-              <a:rPr lang="es-CO" dirty="0"/>
-              <a:t>Trazar rutas de origen destino </a:t>
-            </a:r>
-          </a:p>
-          <a:p>
-            <a:pPr lvl="1" fontAlgn="base"/>
-            <a:r>
-              <a:rPr lang="es-CO" dirty="0"/>
-              <a:t>Colocar marcadores o puntos de interés en el mapa. </a:t>
-            </a:r>
-          </a:p>
-          <a:p>
-            <a:endParaRPr lang="es-CO" dirty="0"/>
-          </a:p>
-        </p:txBody>
-      </p:sp>
-    </p:spTree>
-    <p:extLst>
-      <p:ext uri="{BB962C8B-B14F-4D97-AF65-F5344CB8AC3E}">
-        <p14:creationId xmlns:p14="http://schemas.microsoft.com/office/powerpoint/2010/main" val="4011487925"/>
-      </p:ext>
-    </p:extLst>
-  </p:cSld>
-  <p:clrMapOvr>
-    <a:masterClrMapping/>
-  </p:clrMapOvr>
-</p:sld>
-</file>
-
 <file path=ppt/slides/slide5.xml><?xml version="1.0" encoding="utf-8"?>
 <p:sld xmlns:a="http://schemas.openxmlformats.org/drawingml/2006/main" xmlns:r="http://schemas.openxmlformats.org/officeDocument/2006/relationships" xmlns:p="http://schemas.openxmlformats.org/presentationml/2006/main">
   <p:cSld>
@@ -4875,7 +5271,7 @@
           <p:cNvPr id="2" name="Título 1">
             <a:extLst>
               <a:ext uri="{FF2B5EF4-FFF2-40B4-BE49-F238E27FC236}">
-                <a16:creationId xmlns:a16="http://schemas.microsoft.com/office/drawing/2014/main" id="{6AEC1EEE-3E4E-47FF-A3D8-B0B823F738E8}"/>
+                <a16:creationId xmlns:a16="http://schemas.microsoft.com/office/drawing/2014/main" id="{6727388A-3A9B-45D7-A70D-1C1B4F690663}"/>
               </a:ext>
             </a:extLst>
           </p:cNvPr>
@@ -4886,30 +5282,15 @@
             <p:ph type="title"/>
           </p:nvPr>
         </p:nvSpPr>
-        <p:spPr>
-          <a:xfrm>
-            <a:off x="1634459" y="1098087"/>
-            <a:ext cx="9603275" cy="587136"/>
-          </a:xfrm>
-        </p:spPr>
-        <p:txBody>
-          <a:bodyPr>
-            <a:noAutofit/>
-          </a:bodyPr>
-          <a:lstStyle/>
-          <a:p>
-            <a:r>
-              <a:rPr lang="es-CO" sz="2400" b="1" cap="none" dirty="0"/>
-              <a:t>Ideas para la búsqueda y procesamiento de datos de la tiendas:</a:t>
-            </a:r>
-            <a:r>
-              <a:rPr lang="es-CO" sz="2400" cap="none" dirty="0"/>
-              <a:t> </a:t>
-            </a:r>
-            <a:br>
-              <a:rPr lang="es-CO" sz="2400" dirty="0"/>
-            </a:br>
-            <a:endParaRPr lang="es-CO" sz="2400" dirty="0"/>
+        <p:spPr/>
+        <p:txBody>
+          <a:bodyPr/>
+          <a:lstStyle/>
+          <a:p>
+            <a:r>
+              <a:rPr lang="es-CO" cap="none" dirty="0"/>
+              <a:t>Fase 3: Búsqueda de soluciones creativas</a:t>
+            </a:r>
           </a:p>
         </p:txBody>
       </p:sp>
@@ -4918,7 +5299,7 @@
           <p:cNvPr id="3" name="Marcador de contenido 2">
             <a:extLst>
               <a:ext uri="{FF2B5EF4-FFF2-40B4-BE49-F238E27FC236}">
-                <a16:creationId xmlns:a16="http://schemas.microsoft.com/office/drawing/2014/main" id="{BBFE26CA-A48B-4484-A5C3-2A953E960ECE}"/>
+                <a16:creationId xmlns:a16="http://schemas.microsoft.com/office/drawing/2014/main" id="{A67E120C-57DC-465F-988A-B63994CA024D}"/>
               </a:ext>
             </a:extLst>
           </p:cNvPr>
@@ -4929,43 +5310,51 @@
             <p:ph idx="1"/>
           </p:nvPr>
         </p:nvSpPr>
-        <p:spPr>
-          <a:xfrm>
-            <a:off x="1451579" y="2015732"/>
-            <a:ext cx="9603275" cy="3450613"/>
-          </a:xfrm>
-        </p:spPr>
+        <p:spPr/>
         <p:txBody>
           <a:bodyPr/>
           <a:lstStyle/>
           <a:p>
-            <a:pPr marL="0" indent="0" fontAlgn="base">
-              <a:buNone/>
+            <a:pPr marL="457200" indent="-457200" fontAlgn="base">
+              <a:buFont typeface="+mj-lt"/>
+              <a:buAutoNum type="arabicPeriod"/>
             </a:pPr>
             <a:r>
+              <a:rPr lang="es-CO" b="1" dirty="0"/>
+              <a:t>Ideas para el manejo del mapa en la aplicación:</a:t>
+            </a:r>
+            <a:r>
               <a:rPr lang="es-CO" dirty="0"/>
-              <a:t>Para la búsqueda de las tiendas e información de estas utilizamos la plataforma colombiana Datos Abiertos. Aquí encontramos la información que necesitamos acerca de los supermercados localizados en Tunja, y nos brinda la siguiente información: </a:t>
+              <a:t> Las ideas para el manejo del mapa en la aplicación se harán con base en la librería de </a:t>
+            </a:r>
+            <a:r>
+              <a:rPr lang="es-CO" dirty="0" err="1"/>
+              <a:t>Gmap</a:t>
+            </a:r>
+            <a:r>
+              <a:rPr lang="es-CO" dirty="0"/>
+              <a:t> de Visual Studio. Esta herramienta nos proporciona y facilita diversas funcionalidades para el desarrollo de nuestra aplicación, como las siguientes:  </a:t>
             </a:r>
           </a:p>
           <a:p>
             <a:pPr lvl="1" fontAlgn="base"/>
             <a:r>
               <a:rPr lang="es-CO" dirty="0"/>
-              <a:t>Localización exacta de cada tienda de mercado de Tunja. </a:t>
+              <a:t>Importar un mapa al proyecto </a:t>
             </a:r>
           </a:p>
           <a:p>
             <a:pPr lvl="1" fontAlgn="base"/>
             <a:r>
               <a:rPr lang="es-CO" dirty="0"/>
-              <a:t>Tipo o clase de tienda (Supermercado, minimercado, etc.) </a:t>
+              <a:t>Trazar rutas de origen destino </a:t>
             </a:r>
           </a:p>
           <a:p>
             <a:pPr lvl="1" fontAlgn="base"/>
             <a:r>
               <a:rPr lang="es-CO" dirty="0"/>
-              <a:t>Nombre de la tienda y barrio en el que se encuentra. </a:t>
+              <a:t>Colocar marcadores o puntos de interés en el mapa. </a:t>
             </a:r>
           </a:p>
           <a:p>
@@ -4976,7 +5365,7 @@
     </p:spTree>
     <p:extLst>
       <p:ext uri="{BB962C8B-B14F-4D97-AF65-F5344CB8AC3E}">
-        <p14:creationId xmlns:p14="http://schemas.microsoft.com/office/powerpoint/2010/main" val="2814222234"/>
+        <p14:creationId xmlns:p14="http://schemas.microsoft.com/office/powerpoint/2010/main" val="4011487925"/>
       </p:ext>
     </p:extLst>
   </p:cSld>
@@ -5008,7 +5397,7 @@
           <p:cNvPr id="2" name="Título 1">
             <a:extLst>
               <a:ext uri="{FF2B5EF4-FFF2-40B4-BE49-F238E27FC236}">
-                <a16:creationId xmlns:a16="http://schemas.microsoft.com/office/drawing/2014/main" id="{7C7174FB-33EA-48D7-BC63-345AE8A714B2}"/>
+                <a16:creationId xmlns:a16="http://schemas.microsoft.com/office/drawing/2014/main" id="{6AEC1EEE-3E4E-47FF-A3D8-B0B823F738E8}"/>
               </a:ext>
             </a:extLst>
           </p:cNvPr>
@@ -5021,130 +5410,95 @@
         </p:nvSpPr>
         <p:spPr>
           <a:xfrm>
-            <a:off x="2068799" y="324459"/>
-            <a:ext cx="9603275" cy="1049235"/>
-          </a:xfrm>
-        </p:spPr>
-        <p:txBody>
-          <a:bodyPr/>
-          <a:lstStyle/>
-          <a:p>
-            <a:r>
-              <a:rPr lang="es-CO" b="1" cap="none" dirty="0"/>
-              <a:t>Ideas para la creación de la aplicación</a:t>
-            </a:r>
-            <a:endParaRPr lang="es-CO" b="1" dirty="0"/>
-          </a:p>
-        </p:txBody>
-      </p:sp>
-      <p:sp>
-        <p:nvSpPr>
-          <p:cNvPr id="3" name="CuadroTexto 2">
+            <a:off x="1634459" y="1098087"/>
+            <a:ext cx="9603275" cy="587136"/>
+          </a:xfrm>
+        </p:spPr>
+        <p:txBody>
+          <a:bodyPr>
+            <a:noAutofit/>
+          </a:bodyPr>
+          <a:lstStyle/>
+          <a:p>
+            <a:r>
+              <a:rPr lang="es-CO" sz="2400" b="1" cap="none" dirty="0"/>
+              <a:t>Ideas para la búsqueda y procesamiento de datos de la tiendas:</a:t>
+            </a:r>
+            <a:r>
+              <a:rPr lang="es-CO" sz="2400" cap="none" dirty="0"/>
+              <a:t> </a:t>
+            </a:r>
+            <a:br>
+              <a:rPr lang="es-CO" sz="2400" dirty="0"/>
+            </a:br>
+            <a:endParaRPr lang="es-CO" sz="2400" dirty="0"/>
+          </a:p>
+        </p:txBody>
+      </p:sp>
+      <p:sp>
+        <p:nvSpPr>
+          <p:cNvPr id="3" name="Marcador de contenido 2">
             <a:extLst>
               <a:ext uri="{FF2B5EF4-FFF2-40B4-BE49-F238E27FC236}">
-                <a16:creationId xmlns:a16="http://schemas.microsoft.com/office/drawing/2014/main" id="{F89CB582-C4FD-429F-952D-A4C58789F1CE}"/>
+                <a16:creationId xmlns:a16="http://schemas.microsoft.com/office/drawing/2014/main" id="{BBFE26CA-A48B-4484-A5C3-2A953E960ECE}"/>
               </a:ext>
             </a:extLst>
           </p:cNvPr>
-          <p:cNvSpPr txBox="1"/>
-          <p:nvPr/>
-        </p:nvSpPr>
-        <p:spPr>
-          <a:xfrm>
-            <a:off x="674204" y="2604384"/>
-            <a:ext cx="3114261" cy="2308324"/>
-          </a:xfrm>
-          <a:prstGeom prst="rect">
-            <a:avLst/>
-          </a:prstGeom>
-          <a:noFill/>
-        </p:spPr>
-        <p:txBody>
-          <a:bodyPr wrap="square" rtlCol="0">
-            <a:spAutoFit/>
-          </a:bodyPr>
-          <a:lstStyle/>
-          <a:p>
+          <p:cNvSpPr>
+            <a:spLocks noGrp="1"/>
+          </p:cNvSpPr>
+          <p:nvPr>
+            <p:ph idx="1"/>
+          </p:nvPr>
+        </p:nvSpPr>
+        <p:spPr>
+          <a:xfrm>
+            <a:off x="1451579" y="2015732"/>
+            <a:ext cx="9603275" cy="3450613"/>
+          </a:xfrm>
+        </p:spPr>
+        <p:txBody>
+          <a:bodyPr/>
+          <a:lstStyle/>
+          <a:p>
+            <a:pPr marL="0" indent="0" fontAlgn="base">
+              <a:buNone/>
+            </a:pPr>
             <a:r>
               <a:rPr lang="es-CO" dirty="0"/>
-              <a:t>Alternativa 1: Crear una aplicación que permita visualizar un mapa de Tunja en donde el usuario pueda ver con claridad la localización de los distintos supermercados que están distribuidos en toda la ciudad</a:t>
-            </a:r>
-          </a:p>
-        </p:txBody>
-      </p:sp>
-      <p:sp>
-        <p:nvSpPr>
-          <p:cNvPr id="4" name="CuadroTexto 3">
-            <a:extLst>
-              <a:ext uri="{FF2B5EF4-FFF2-40B4-BE49-F238E27FC236}">
-                <a16:creationId xmlns:a16="http://schemas.microsoft.com/office/drawing/2014/main" id="{C8C600CF-8870-404A-A1CE-B9FF0AE09098}"/>
-              </a:ext>
-            </a:extLst>
-          </p:cNvPr>
-          <p:cNvSpPr txBox="1"/>
-          <p:nvPr/>
-        </p:nvSpPr>
-        <p:spPr>
-          <a:xfrm>
-            <a:off x="4227111" y="2604384"/>
-            <a:ext cx="3114261" cy="3139321"/>
-          </a:xfrm>
-          <a:prstGeom prst="rect">
-            <a:avLst/>
-          </a:prstGeom>
-          <a:noFill/>
-        </p:spPr>
-        <p:txBody>
-          <a:bodyPr wrap="square" rtlCol="0">
-            <a:spAutoFit/>
-          </a:bodyPr>
-          <a:lstStyle/>
-          <a:p>
+              <a:t>Para la búsqueda de las tiendas e información de estas utilizamos la plataforma colombiana Datos Abiertos. Aquí encontramos la información que necesitamos acerca de los supermercados localizados en Tunja, y nos brinda la siguiente información: </a:t>
+            </a:r>
+          </a:p>
+          <a:p>
+            <a:pPr lvl="1" fontAlgn="base"/>
             <a:r>
               <a:rPr lang="es-CO" dirty="0"/>
-              <a:t>Alternativa 2: Crear una aplicación que permita al usuario filtrar entre los distintos tipos de cadenas de mercado y que le permita ver toda la información de la clasificación seleccionada, así como las direcciones e información de todas las tiendas que pertenezcan a la filtración.</a:t>
-            </a:r>
-          </a:p>
-        </p:txBody>
-      </p:sp>
-      <p:sp>
-        <p:nvSpPr>
-          <p:cNvPr id="5" name="Rectángulo 4">
-            <a:extLst>
-              <a:ext uri="{FF2B5EF4-FFF2-40B4-BE49-F238E27FC236}">
-                <a16:creationId xmlns:a16="http://schemas.microsoft.com/office/drawing/2014/main" id="{D26EDEE7-0DB8-4169-8E60-0BA74FFE0118}"/>
-              </a:ext>
-            </a:extLst>
-          </p:cNvPr>
-          <p:cNvSpPr/>
-          <p:nvPr/>
-        </p:nvSpPr>
-        <p:spPr>
-          <a:xfrm>
-            <a:off x="8322365" y="2604384"/>
-            <a:ext cx="2978648" cy="3416320"/>
-          </a:xfrm>
-          <a:prstGeom prst="rect">
-            <a:avLst/>
-          </a:prstGeom>
-        </p:spPr>
-        <p:txBody>
-          <a:bodyPr wrap="square">
-            <a:spAutoFit/>
-          </a:bodyPr>
-          <a:lstStyle/>
-          <a:p>
+              <a:t>Localización exacta de cada tienda de mercado de Tunja. </a:t>
+            </a:r>
+          </a:p>
+          <a:p>
+            <a:pPr lvl="1" fontAlgn="base"/>
             <a:r>
               <a:rPr lang="es-CO" dirty="0"/>
-              <a:t>Alternativa 3: Crear una aplicación que permita buscar las distintas cadenas de mercado que existen en Tunja y dependiendo de la ubicación del usuario, mostrar a través de un mapa la ruta que debe tomar hasta el supermercado y a su vez, que le permita obtener la información de los productos y descuentos que le ofrece la tienda.</a:t>
-            </a:r>
+              <a:t>Tipo o clase de tienda (Supermercado, minimercado, etc.) </a:t>
+            </a:r>
+          </a:p>
+          <a:p>
+            <a:pPr lvl="1" fontAlgn="base"/>
+            <a:r>
+              <a:rPr lang="es-CO" dirty="0"/>
+              <a:t>Nombre de la tienda y barrio en el que se encuentra. </a:t>
+            </a:r>
+          </a:p>
+          <a:p>
+            <a:endParaRPr lang="es-CO" dirty="0"/>
           </a:p>
         </p:txBody>
       </p:sp>
     </p:spTree>
     <p:extLst>
       <p:ext uri="{BB962C8B-B14F-4D97-AF65-F5344CB8AC3E}">
-        <p14:creationId xmlns:p14="http://schemas.microsoft.com/office/powerpoint/2010/main" val="3980655942"/>
+        <p14:creationId xmlns:p14="http://schemas.microsoft.com/office/powerpoint/2010/main" val="2814222234"/>
       </p:ext>
     </p:extLst>
   </p:cSld>
@@ -5173,10 +5527,114 @@
       </p:grpSpPr>
       <p:sp>
         <p:nvSpPr>
-          <p:cNvPr id="2" name="Rectángulo 1">
+          <p:cNvPr id="2" name="Título 1">
             <a:extLst>
               <a:ext uri="{FF2B5EF4-FFF2-40B4-BE49-F238E27FC236}">
-                <a16:creationId xmlns:a16="http://schemas.microsoft.com/office/drawing/2014/main" id="{8AC39A93-19A0-4E3E-B060-47B17A82FD96}"/>
+                <a16:creationId xmlns:a16="http://schemas.microsoft.com/office/drawing/2014/main" id="{7C7174FB-33EA-48D7-BC63-345AE8A714B2}"/>
+              </a:ext>
+            </a:extLst>
+          </p:cNvPr>
+          <p:cNvSpPr>
+            <a:spLocks noGrp="1"/>
+          </p:cNvSpPr>
+          <p:nvPr>
+            <p:ph type="title"/>
+          </p:nvPr>
+        </p:nvSpPr>
+        <p:spPr>
+          <a:xfrm>
+            <a:off x="2068799" y="324459"/>
+            <a:ext cx="9603275" cy="1049235"/>
+          </a:xfrm>
+        </p:spPr>
+        <p:txBody>
+          <a:bodyPr/>
+          <a:lstStyle/>
+          <a:p>
+            <a:r>
+              <a:rPr lang="es-CO" b="1" cap="none" dirty="0"/>
+              <a:t>Ideas para la creación de la aplicación</a:t>
+            </a:r>
+            <a:endParaRPr lang="es-CO" b="1" dirty="0"/>
+          </a:p>
+        </p:txBody>
+      </p:sp>
+      <p:sp>
+        <p:nvSpPr>
+          <p:cNvPr id="3" name="CuadroTexto 2">
+            <a:extLst>
+              <a:ext uri="{FF2B5EF4-FFF2-40B4-BE49-F238E27FC236}">
+                <a16:creationId xmlns:a16="http://schemas.microsoft.com/office/drawing/2014/main" id="{F89CB582-C4FD-429F-952D-A4C58789F1CE}"/>
+              </a:ext>
+            </a:extLst>
+          </p:cNvPr>
+          <p:cNvSpPr txBox="1"/>
+          <p:nvPr/>
+        </p:nvSpPr>
+        <p:spPr>
+          <a:xfrm>
+            <a:off x="674204" y="2604384"/>
+            <a:ext cx="3114261" cy="2308324"/>
+          </a:xfrm>
+          <a:prstGeom prst="rect">
+            <a:avLst/>
+          </a:prstGeom>
+          <a:noFill/>
+        </p:spPr>
+        <p:txBody>
+          <a:bodyPr wrap="square" rtlCol="0">
+            <a:spAutoFit/>
+          </a:bodyPr>
+          <a:lstStyle/>
+          <a:p>
+            <a:r>
+              <a:rPr lang="es-CO" dirty="0"/>
+              <a:t>Alternativa 1: Crear una aplicación que permita visualizar un mapa de Tunja en donde el usuario pueda ver con claridad la localización de los distintos supermercados que están distribuidos en toda la ciudad</a:t>
+            </a:r>
+          </a:p>
+        </p:txBody>
+      </p:sp>
+      <p:sp>
+        <p:nvSpPr>
+          <p:cNvPr id="4" name="CuadroTexto 3">
+            <a:extLst>
+              <a:ext uri="{FF2B5EF4-FFF2-40B4-BE49-F238E27FC236}">
+                <a16:creationId xmlns:a16="http://schemas.microsoft.com/office/drawing/2014/main" id="{C8C600CF-8870-404A-A1CE-B9FF0AE09098}"/>
+              </a:ext>
+            </a:extLst>
+          </p:cNvPr>
+          <p:cNvSpPr txBox="1"/>
+          <p:nvPr/>
+        </p:nvSpPr>
+        <p:spPr>
+          <a:xfrm>
+            <a:off x="4227111" y="2604384"/>
+            <a:ext cx="3114261" cy="3139321"/>
+          </a:xfrm>
+          <a:prstGeom prst="rect">
+            <a:avLst/>
+          </a:prstGeom>
+          <a:noFill/>
+        </p:spPr>
+        <p:txBody>
+          <a:bodyPr wrap="square" rtlCol="0">
+            <a:spAutoFit/>
+          </a:bodyPr>
+          <a:lstStyle/>
+          <a:p>
+            <a:r>
+              <a:rPr lang="es-CO" dirty="0"/>
+              <a:t>Alternativa 2: Crear una aplicación que permita al usuario filtrar entre los distintos tipos de cadenas de mercado y que le permita ver toda la información de la clasificación seleccionada, así como las direcciones e información de todas las tiendas que pertenezcan a la filtración.</a:t>
+            </a:r>
+          </a:p>
+        </p:txBody>
+      </p:sp>
+      <p:sp>
+        <p:nvSpPr>
+          <p:cNvPr id="5" name="Rectángulo 4">
+            <a:extLst>
+              <a:ext uri="{FF2B5EF4-FFF2-40B4-BE49-F238E27FC236}">
+                <a16:creationId xmlns:a16="http://schemas.microsoft.com/office/drawing/2014/main" id="{D26EDEE7-0DB8-4169-8E60-0BA74FFE0118}"/>
               </a:ext>
             </a:extLst>
           </p:cNvPr>
@@ -5185,8 +5643,8 @@
         </p:nvSpPr>
         <p:spPr>
           <a:xfrm>
-            <a:off x="922020" y="837337"/>
-            <a:ext cx="5173980" cy="1477328"/>
+            <a:off x="8322365" y="2604384"/>
+            <a:ext cx="2978648" cy="3416320"/>
           </a:xfrm>
           <a:prstGeom prst="rect">
             <a:avLst/>
@@ -5200,109 +5658,7 @@
           <a:p>
             <a:r>
               <a:rPr lang="es-CO" dirty="0"/>
-              <a:t>Alternativa 4: Crear una aplicación que analice y compare las distintas tiendas en Tunja, para que a partir de los gustos que tenga el usuario, su capacidad económica y ubicación le permita a este escoger la tienda que más le convenga.</a:t>
-            </a:r>
-          </a:p>
-        </p:txBody>
-      </p:sp>
-      <p:sp>
-        <p:nvSpPr>
-          <p:cNvPr id="3" name="Rectángulo 2">
-            <a:extLst>
-              <a:ext uri="{FF2B5EF4-FFF2-40B4-BE49-F238E27FC236}">
-                <a16:creationId xmlns:a16="http://schemas.microsoft.com/office/drawing/2014/main" id="{84C404A6-727D-4EC6-B8E1-74380BCE1635}"/>
-              </a:ext>
-            </a:extLst>
-          </p:cNvPr>
-          <p:cNvSpPr/>
-          <p:nvPr/>
-        </p:nvSpPr>
-        <p:spPr>
-          <a:xfrm>
-            <a:off x="6596767" y="837337"/>
-            <a:ext cx="5173980" cy="1754326"/>
-          </a:xfrm>
-          <a:prstGeom prst="rect">
-            <a:avLst/>
-          </a:prstGeom>
-        </p:spPr>
-        <p:txBody>
-          <a:bodyPr wrap="square">
-            <a:spAutoFit/>
-          </a:bodyPr>
-          <a:lstStyle/>
-          <a:p>
-            <a:r>
-              <a:rPr lang="es-CO" dirty="0"/>
-              <a:t>Alternativa 5: Proponer a las tiendas de mercado y cadenas que realicen la publicidad de sus productos en los perímetros cercanos a su ubicación, para que así los habitantes de Tunja conozcan las distintas opciones que tienen a la mano para realizar sus compras.</a:t>
-            </a:r>
-          </a:p>
-        </p:txBody>
-      </p:sp>
-      <p:sp>
-        <p:nvSpPr>
-          <p:cNvPr id="4" name="Rectángulo 3">
-            <a:extLst>
-              <a:ext uri="{FF2B5EF4-FFF2-40B4-BE49-F238E27FC236}">
-                <a16:creationId xmlns:a16="http://schemas.microsoft.com/office/drawing/2014/main" id="{682B5FD5-6B8C-447B-8E90-11CC8E6AEBD2}"/>
-              </a:ext>
-            </a:extLst>
-          </p:cNvPr>
-          <p:cNvSpPr/>
-          <p:nvPr/>
-        </p:nvSpPr>
-        <p:spPr>
-          <a:xfrm>
-            <a:off x="922020" y="3804673"/>
-            <a:ext cx="5320085" cy="923330"/>
-          </a:xfrm>
-          <a:prstGeom prst="rect">
-            <a:avLst/>
-          </a:prstGeom>
-        </p:spPr>
-        <p:txBody>
-          <a:bodyPr wrap="square">
-            <a:spAutoFit/>
-          </a:bodyPr>
-          <a:lstStyle/>
-          <a:p>
-            <a:r>
-              <a:rPr lang="es-CO" dirty="0"/>
-              <a:t>Alternativa 6: Proponer que las tiendas de mercado y cadenas realicen publicidad a la comunidad de Tunja mediante anuncios en la radio o televisión local</a:t>
-            </a:r>
-          </a:p>
-        </p:txBody>
-      </p:sp>
-      <p:sp>
-        <p:nvSpPr>
-          <p:cNvPr id="5" name="Rectángulo 4">
-            <a:extLst>
-              <a:ext uri="{FF2B5EF4-FFF2-40B4-BE49-F238E27FC236}">
-                <a16:creationId xmlns:a16="http://schemas.microsoft.com/office/drawing/2014/main" id="{48403A88-F8A1-4E67-8882-4C5771DCD8ED}"/>
-              </a:ext>
-            </a:extLst>
-          </p:cNvPr>
-          <p:cNvSpPr/>
-          <p:nvPr/>
-        </p:nvSpPr>
-        <p:spPr>
-          <a:xfrm>
-            <a:off x="6596767" y="3792720"/>
-            <a:ext cx="5320085" cy="923330"/>
-          </a:xfrm>
-          <a:prstGeom prst="rect">
-            <a:avLst/>
-          </a:prstGeom>
-        </p:spPr>
-        <p:txBody>
-          <a:bodyPr wrap="square">
-            <a:spAutoFit/>
-          </a:bodyPr>
-          <a:lstStyle/>
-          <a:p>
-            <a:r>
-              <a:rPr lang="es-CO" dirty="0"/>
-              <a:t>Alternativa 7: Desarrollar una aplicación web, en la cual los mercados puedan realizar sus anuncios y ofrecer información acerca de sus servicios</a:t>
+              <a:t>Alternativa 3: Crear una aplicación que permita buscar las distintas cadenas de mercado que existen en Tunja y dependiendo de la ubicación del usuario, mostrar a través de un mapa la ruta que debe tomar hasta el supermercado y a su vez, que le permita obtener la información de los productos y descuentos que le ofrece la tienda.</a:t>
             </a:r>
           </a:p>
         </p:txBody>
@@ -5310,7 +5666,7 @@
     </p:spTree>
     <p:extLst>
       <p:ext uri="{BB962C8B-B14F-4D97-AF65-F5344CB8AC3E}">
-        <p14:creationId xmlns:p14="http://schemas.microsoft.com/office/powerpoint/2010/main" val="2371508434"/>
+        <p14:creationId xmlns:p14="http://schemas.microsoft.com/office/powerpoint/2010/main" val="3980655942"/>
       </p:ext>
     </p:extLst>
   </p:cSld>
@@ -5339,77 +5695,136 @@
       </p:grpSpPr>
       <p:sp>
         <p:nvSpPr>
-          <p:cNvPr id="2" name="Título 1">
+          <p:cNvPr id="2" name="Rectángulo 1">
             <a:extLst>
               <a:ext uri="{FF2B5EF4-FFF2-40B4-BE49-F238E27FC236}">
-                <a16:creationId xmlns:a16="http://schemas.microsoft.com/office/drawing/2014/main" id="{6A44F77E-F724-4414-BAE8-D9C00C9AB277}"/>
+                <a16:creationId xmlns:a16="http://schemas.microsoft.com/office/drawing/2014/main" id="{8AC39A93-19A0-4E3E-B060-47B17A82FD96}"/>
               </a:ext>
             </a:extLst>
           </p:cNvPr>
-          <p:cNvSpPr>
-            <a:spLocks noGrp="1"/>
-          </p:cNvSpPr>
-          <p:nvPr>
-            <p:ph type="title"/>
-          </p:nvPr>
-        </p:nvSpPr>
-        <p:spPr/>
-        <p:txBody>
-          <a:bodyPr/>
-          <a:lstStyle/>
-          <a:p>
-            <a:r>
-              <a:rPr lang="es-CO" b="1" cap="none" dirty="0"/>
-              <a:t>Fase 4: transición de ideas a los diseños preliminares</a:t>
-            </a:r>
-          </a:p>
-        </p:txBody>
-      </p:sp>
-      <p:sp>
-        <p:nvSpPr>
-          <p:cNvPr id="3" name="Marcador de contenido 2">
+          <p:cNvSpPr/>
+          <p:nvPr/>
+        </p:nvSpPr>
+        <p:spPr>
+          <a:xfrm>
+            <a:off x="922020" y="837337"/>
+            <a:ext cx="5173980" cy="1477328"/>
+          </a:xfrm>
+          <a:prstGeom prst="rect">
+            <a:avLst/>
+          </a:prstGeom>
+        </p:spPr>
+        <p:txBody>
+          <a:bodyPr wrap="square">
+            <a:spAutoFit/>
+          </a:bodyPr>
+          <a:lstStyle/>
+          <a:p>
+            <a:r>
+              <a:rPr lang="es-CO" dirty="0"/>
+              <a:t>Alternativa 4: Crear una aplicación que analice y compare las distintas tiendas en Tunja, para que a partir de los gustos que tenga el usuario, su capacidad económica y ubicación le permita a este escoger la tienda que más le convenga.</a:t>
+            </a:r>
+          </a:p>
+        </p:txBody>
+      </p:sp>
+      <p:sp>
+        <p:nvSpPr>
+          <p:cNvPr id="3" name="Rectángulo 2">
             <a:extLst>
               <a:ext uri="{FF2B5EF4-FFF2-40B4-BE49-F238E27FC236}">
-                <a16:creationId xmlns:a16="http://schemas.microsoft.com/office/drawing/2014/main" id="{D3FE93E5-CE26-4D2E-939A-F22F44FA3241}"/>
+                <a16:creationId xmlns:a16="http://schemas.microsoft.com/office/drawing/2014/main" id="{84C404A6-727D-4EC6-B8E1-74380BCE1635}"/>
               </a:ext>
             </a:extLst>
           </p:cNvPr>
-          <p:cNvSpPr>
-            <a:spLocks noGrp="1"/>
-          </p:cNvSpPr>
-          <p:nvPr>
-            <p:ph idx="1"/>
-          </p:nvPr>
-        </p:nvSpPr>
-        <p:spPr/>
-        <p:txBody>
-          <a:bodyPr/>
-          <a:lstStyle/>
-          <a:p>
-            <a:endParaRPr lang="es-CO" dirty="0"/>
-          </a:p>
+          <p:cNvSpPr/>
+          <p:nvPr/>
+        </p:nvSpPr>
+        <p:spPr>
+          <a:xfrm>
+            <a:off x="6596767" y="837337"/>
+            <a:ext cx="5173980" cy="1754326"/>
+          </a:xfrm>
+          <a:prstGeom prst="rect">
+            <a:avLst/>
+          </a:prstGeom>
+        </p:spPr>
+        <p:txBody>
+          <a:bodyPr wrap="square">
+            <a:spAutoFit/>
+          </a:bodyPr>
+          <a:lstStyle/>
           <a:p>
             <a:r>
               <a:rPr lang="es-CO" dirty="0"/>
-              <a:t>Alternativa 1</a:t>
-            </a:r>
-          </a:p>
+              <a:t>Alternativa 5: Proponer a las tiendas de mercado y cadenas que realicen la publicidad de sus productos en los perímetros cercanos a su ubicación, para que así los habitantes de Tunja conozcan las distintas opciones que tienen a la mano para realizar sus compras.</a:t>
+            </a:r>
+          </a:p>
+        </p:txBody>
+      </p:sp>
+      <p:sp>
+        <p:nvSpPr>
+          <p:cNvPr id="4" name="Rectángulo 3">
+            <a:extLst>
+              <a:ext uri="{FF2B5EF4-FFF2-40B4-BE49-F238E27FC236}">
+                <a16:creationId xmlns:a16="http://schemas.microsoft.com/office/drawing/2014/main" id="{682B5FD5-6B8C-447B-8E90-11CC8E6AEBD2}"/>
+              </a:ext>
+            </a:extLst>
+          </p:cNvPr>
+          <p:cNvSpPr/>
+          <p:nvPr/>
+        </p:nvSpPr>
+        <p:spPr>
+          <a:xfrm>
+            <a:off x="922020" y="3804673"/>
+            <a:ext cx="5320085" cy="923330"/>
+          </a:xfrm>
+          <a:prstGeom prst="rect">
+            <a:avLst/>
+          </a:prstGeom>
+        </p:spPr>
+        <p:txBody>
+          <a:bodyPr wrap="square">
+            <a:spAutoFit/>
+          </a:bodyPr>
+          <a:lstStyle/>
           <a:p>
             <a:r>
               <a:rPr lang="es-CO" dirty="0"/>
-              <a:t>Alternativa 2</a:t>
-            </a:r>
-          </a:p>
+              <a:t>Alternativa 6: Proponer que las tiendas de mercado y cadenas realicen publicidad a la comunidad de Tunja mediante anuncios en la radio o televisión local</a:t>
+            </a:r>
+          </a:p>
+        </p:txBody>
+      </p:sp>
+      <p:sp>
+        <p:nvSpPr>
+          <p:cNvPr id="5" name="Rectángulo 4">
+            <a:extLst>
+              <a:ext uri="{FF2B5EF4-FFF2-40B4-BE49-F238E27FC236}">
+                <a16:creationId xmlns:a16="http://schemas.microsoft.com/office/drawing/2014/main" id="{48403A88-F8A1-4E67-8882-4C5771DCD8ED}"/>
+              </a:ext>
+            </a:extLst>
+          </p:cNvPr>
+          <p:cNvSpPr/>
+          <p:nvPr/>
+        </p:nvSpPr>
+        <p:spPr>
+          <a:xfrm>
+            <a:off x="6596767" y="3792720"/>
+            <a:ext cx="5320085" cy="923330"/>
+          </a:xfrm>
+          <a:prstGeom prst="rect">
+            <a:avLst/>
+          </a:prstGeom>
+        </p:spPr>
+        <p:txBody>
+          <a:bodyPr wrap="square">
+            <a:spAutoFit/>
+          </a:bodyPr>
+          <a:lstStyle/>
           <a:p>
             <a:r>
               <a:rPr lang="es-CO" dirty="0"/>
-              <a:t>Alternativa 3</a:t>
-            </a:r>
-          </a:p>
-          <a:p>
-            <a:r>
-              <a:rPr lang="es-CO" dirty="0"/>
-              <a:t>Alternativa 4</a:t>
+              <a:t>Alternativa 7: Desarrollar una aplicación web, en la cual los mercados puedan realizar sus anuncios y ofrecer información acerca de sus servicios</a:t>
             </a:r>
           </a:p>
         </p:txBody>
@@ -5417,7 +5832,7 @@
     </p:spTree>
     <p:extLst>
       <p:ext uri="{BB962C8B-B14F-4D97-AF65-F5344CB8AC3E}">
-        <p14:creationId xmlns:p14="http://schemas.microsoft.com/office/powerpoint/2010/main" val="2265644708"/>
+        <p14:creationId xmlns:p14="http://schemas.microsoft.com/office/powerpoint/2010/main" val="2371508434"/>
       </p:ext>
     </p:extLst>
   </p:cSld>
@@ -5449,7 +5864,7 @@
           <p:cNvPr id="2" name="Título 1">
             <a:extLst>
               <a:ext uri="{FF2B5EF4-FFF2-40B4-BE49-F238E27FC236}">
-                <a16:creationId xmlns:a16="http://schemas.microsoft.com/office/drawing/2014/main" id="{B31C1447-A40C-4306-BBF2-64B67A427531}"/>
+                <a16:creationId xmlns:a16="http://schemas.microsoft.com/office/drawing/2014/main" id="{6A44F77E-F724-4414-BAE8-D9C00C9AB277}"/>
               </a:ext>
             </a:extLst>
           </p:cNvPr>
@@ -5460,375 +5875,71 @@
             <p:ph type="title"/>
           </p:nvPr>
         </p:nvSpPr>
-        <p:spPr>
-          <a:xfrm>
-            <a:off x="1451579" y="804519"/>
-            <a:ext cx="9603275" cy="1049235"/>
-          </a:xfrm>
-        </p:spPr>
+        <p:spPr/>
         <p:txBody>
           <a:bodyPr/>
           <a:lstStyle/>
           <a:p>
             <a:r>
               <a:rPr lang="es-CO" b="1" cap="none" dirty="0"/>
-              <a:t>Fase 5: evaluación y selección de la mejor solución</a:t>
-            </a:r>
-            <a:endParaRPr lang="es-CO" b="1" dirty="0"/>
-          </a:p>
-        </p:txBody>
-      </p:sp>
-      <p:pic>
-        <p:nvPicPr>
-          <p:cNvPr id="4" name="Picture 4">
+              <a:t>Fase 4: transición de ideas a los diseños preliminares</a:t>
+            </a:r>
+          </a:p>
+        </p:txBody>
+      </p:sp>
+      <p:sp>
+        <p:nvSpPr>
+          <p:cNvPr id="3" name="Marcador de contenido 2">
             <a:extLst>
               <a:ext uri="{FF2B5EF4-FFF2-40B4-BE49-F238E27FC236}">
-                <a16:creationId xmlns:a16="http://schemas.microsoft.com/office/drawing/2014/main" id="{1AC72799-F12A-447F-A1FB-BC6797D886C4}"/>
+                <a16:creationId xmlns:a16="http://schemas.microsoft.com/office/drawing/2014/main" id="{D3FE93E5-CE26-4D2E-939A-F22F44FA3241}"/>
               </a:ext>
             </a:extLst>
           </p:cNvPr>
-          <p:cNvPicPr>
-            <a:picLocks noGrp="1" noChangeAspect="1"/>
-          </p:cNvPicPr>
+          <p:cNvSpPr>
+            <a:spLocks noGrp="1"/>
+          </p:cNvSpPr>
           <p:nvPr>
             <p:ph idx="1"/>
           </p:nvPr>
-        </p:nvPicPr>
-        <p:blipFill>
-          <a:blip r:embed="rId2"/>
-          <a:stretch>
-            <a:fillRect/>
-          </a:stretch>
-        </p:blipFill>
-        <p:spPr>
-          <a:xfrm>
-            <a:off x="2592608" y="3846064"/>
-            <a:ext cx="7200900" cy="1514475"/>
-          </a:xfrm>
-          <a:prstGeom prst="rect">
-            <a:avLst/>
-          </a:prstGeom>
-        </p:spPr>
-      </p:pic>
-      <p:sp>
-        <p:nvSpPr>
-          <p:cNvPr id="9" name="TextBox 8">
-            <a:extLst>
-              <a:ext uri="{FF2B5EF4-FFF2-40B4-BE49-F238E27FC236}">
-                <a16:creationId xmlns:a16="http://schemas.microsoft.com/office/drawing/2014/main" id="{D540AD30-E284-4E49-94F2-C40872EA9D48}"/>
-              </a:ext>
-            </a:extLst>
-          </p:cNvPr>
-          <p:cNvSpPr txBox="1"/>
-          <p:nvPr/>
-        </p:nvSpPr>
-        <p:spPr>
-          <a:xfrm>
-            <a:off x="10098505" y="4062663"/>
-            <a:ext cx="2743200" cy="1169551"/>
-          </a:xfrm>
-          <a:prstGeom prst="rect">
-            <a:avLst/>
-          </a:prstGeom>
-        </p:spPr>
-        <p:txBody>
-          <a:bodyPr rot="0" spcFirstLastPara="0" vertOverflow="overflow" horzOverflow="overflow" vert="horz" wrap="square" lIns="91440" tIns="45720" rIns="91440" bIns="45720" numCol="1" spcCol="0" rtlCol="0" fromWordArt="0" anchor="t" anchorCtr="0" forceAA="0" compatLnSpc="1">
-            <a:prstTxWarp prst="textNoShape">
-              <a:avLst/>
-            </a:prstTxWarp>
-            <a:spAutoFit/>
-          </a:bodyPr>
-          <a:lstStyle/>
-          <a:p>
-            <a:r>
-              <a:rPr lang="es-CO" sz="1400">
-                <a:latin typeface="Times New Roman"/>
-                <a:cs typeface="Segoe UI"/>
-              </a:rPr>
-              <a:t>(1). Muy bajo</a:t>
-            </a:r>
-            <a:r>
-              <a:rPr lang="es-ES" sz="1400">
-                <a:latin typeface="Times New Roman"/>
-                <a:cs typeface="Segoe UI"/>
-              </a:rPr>
-              <a:t> </a:t>
-            </a:r>
-          </a:p>
-          <a:p>
-            <a:r>
-              <a:rPr lang="es-CO" sz="1400">
-                <a:latin typeface="Times New Roman"/>
-                <a:cs typeface="Segoe UI"/>
-              </a:rPr>
-              <a:t>(2). Medio</a:t>
-            </a:r>
-            <a:r>
-              <a:rPr lang="es-ES" sz="1400">
-                <a:latin typeface="Times New Roman"/>
-                <a:cs typeface="Segoe UI"/>
-              </a:rPr>
-              <a:t> </a:t>
-            </a:r>
-          </a:p>
-          <a:p>
-            <a:r>
-              <a:rPr lang="es-CO" sz="1400">
-                <a:latin typeface="Times New Roman"/>
-                <a:cs typeface="Segoe UI"/>
-              </a:rPr>
-              <a:t>(3). Normal</a:t>
-            </a:r>
-            <a:r>
-              <a:rPr lang="es-ES" sz="1400">
-                <a:latin typeface="Times New Roman"/>
-                <a:cs typeface="Segoe UI"/>
-              </a:rPr>
-              <a:t> </a:t>
-            </a:r>
-          </a:p>
-          <a:p>
-            <a:r>
-              <a:rPr lang="es-CO" sz="1400">
-                <a:latin typeface="Times New Roman"/>
-                <a:cs typeface="Segoe UI"/>
-              </a:rPr>
-              <a:t>(4). Alto</a:t>
-            </a:r>
-            <a:r>
-              <a:rPr lang="es-ES" sz="1400">
-                <a:latin typeface="Times New Roman"/>
-                <a:cs typeface="Segoe UI"/>
-              </a:rPr>
-              <a:t> </a:t>
-            </a:r>
-          </a:p>
-          <a:p>
-            <a:pPr algn="just"/>
-            <a:r>
-              <a:rPr lang="es-CO" sz="1400">
-                <a:latin typeface="Times New Roman"/>
-                <a:cs typeface="Segoe UI"/>
-              </a:rPr>
-              <a:t>(5). Muy alto</a:t>
-            </a:r>
-            <a:r>
-              <a:rPr lang="es-ES" sz="1400">
-                <a:latin typeface="Times New Roman"/>
-                <a:cs typeface="Segoe UI"/>
-              </a:rPr>
-              <a:t> </a:t>
-            </a:r>
-          </a:p>
-        </p:txBody>
-      </p:sp>
-      <p:sp>
-        <p:nvSpPr>
-          <p:cNvPr id="10" name="TextBox 9">
-            <a:extLst>
-              <a:ext uri="{FF2B5EF4-FFF2-40B4-BE49-F238E27FC236}">
-                <a16:creationId xmlns:a16="http://schemas.microsoft.com/office/drawing/2014/main" id="{EF1D88CD-76C5-41B6-858E-B535FAD6B951}"/>
-              </a:ext>
-            </a:extLst>
-          </p:cNvPr>
-          <p:cNvSpPr txBox="1"/>
-          <p:nvPr/>
-        </p:nvSpPr>
-        <p:spPr>
-          <a:xfrm>
-            <a:off x="1505953" y="2648953"/>
-            <a:ext cx="2743200" cy="369332"/>
-          </a:xfrm>
-          <a:prstGeom prst="rect">
-            <a:avLst/>
-          </a:prstGeom>
-        </p:spPr>
-        <p:txBody>
-          <a:bodyPr rot="0" spcFirstLastPara="0" vertOverflow="overflow" horzOverflow="overflow" vert="horz" wrap="square" lIns="91440" tIns="45720" rIns="91440" bIns="45720" numCol="1" spcCol="0" rtlCol="0" fromWordArt="0" anchor="t" anchorCtr="0" forceAA="0" compatLnSpc="1">
-            <a:prstTxWarp prst="textNoShape">
-              <a:avLst/>
-            </a:prstTxWarp>
-            <a:spAutoFit/>
-          </a:bodyPr>
-          <a:lstStyle/>
-          <a:p>
-            <a:r>
-              <a:rPr lang="es-CO">
-                <a:latin typeface="Times New Roman"/>
-              </a:rPr>
-              <a:t>Criterio B. Costo</a:t>
-            </a:r>
-            <a:endParaRPr lang="en-US"/>
-          </a:p>
-        </p:txBody>
-      </p:sp>
-      <p:sp>
-        <p:nvSpPr>
-          <p:cNvPr id="12" name="TextBox 11">
-            <a:extLst>
-              <a:ext uri="{FF2B5EF4-FFF2-40B4-BE49-F238E27FC236}">
-                <a16:creationId xmlns:a16="http://schemas.microsoft.com/office/drawing/2014/main" id="{9403BCB8-A5A4-480C-BD0D-3DF0F5954EFC}"/>
-              </a:ext>
-            </a:extLst>
-          </p:cNvPr>
-          <p:cNvSpPr txBox="1"/>
-          <p:nvPr/>
-        </p:nvSpPr>
-        <p:spPr>
-          <a:xfrm>
-            <a:off x="1505953" y="2237874"/>
-            <a:ext cx="2743200" cy="369332"/>
-          </a:xfrm>
-          <a:prstGeom prst="rect">
-            <a:avLst/>
-          </a:prstGeom>
-        </p:spPr>
-        <p:txBody>
-          <a:bodyPr rot="0" spcFirstLastPara="0" vertOverflow="overflow" horzOverflow="overflow" vert="horz" wrap="square" lIns="91440" tIns="45720" rIns="91440" bIns="45720" numCol="1" spcCol="0" rtlCol="0" fromWordArt="0" anchor="t" anchorCtr="0" forceAA="0" compatLnSpc="1">
-            <a:prstTxWarp prst="textNoShape">
-              <a:avLst/>
-            </a:prstTxWarp>
-            <a:spAutoFit/>
-          </a:bodyPr>
-          <a:lstStyle/>
-          <a:p>
-            <a:r>
-              <a:rPr lang="es-CO">
-                <a:latin typeface="Times New Roman"/>
-              </a:rPr>
-              <a:t>Criterio A. Eficacia</a:t>
-            </a:r>
-            <a:endParaRPr lang="en-US"/>
-          </a:p>
-        </p:txBody>
-      </p:sp>
-      <p:sp>
-        <p:nvSpPr>
-          <p:cNvPr id="26" name="TextBox 25">
-            <a:extLst>
-              <a:ext uri="{FF2B5EF4-FFF2-40B4-BE49-F238E27FC236}">
-                <a16:creationId xmlns:a16="http://schemas.microsoft.com/office/drawing/2014/main" id="{1B94814A-508F-4A66-8C6E-956B56E8D509}"/>
-              </a:ext>
-            </a:extLst>
-          </p:cNvPr>
-          <p:cNvSpPr txBox="1"/>
-          <p:nvPr/>
-        </p:nvSpPr>
-        <p:spPr>
-          <a:xfrm>
-            <a:off x="1505953" y="3070058"/>
-            <a:ext cx="2743200" cy="369332"/>
-          </a:xfrm>
-          <a:prstGeom prst="rect">
-            <a:avLst/>
-          </a:prstGeom>
-        </p:spPr>
-        <p:txBody>
-          <a:bodyPr rot="0" spcFirstLastPara="0" vertOverflow="overflow" horzOverflow="overflow" vert="horz" wrap="square" lIns="91440" tIns="45720" rIns="91440" bIns="45720" numCol="1" spcCol="0" rtlCol="0" fromWordArt="0" anchor="t" anchorCtr="0" forceAA="0" compatLnSpc="1">
-            <a:prstTxWarp prst="textNoShape">
-              <a:avLst/>
-            </a:prstTxWarp>
-            <a:spAutoFit/>
-          </a:bodyPr>
-          <a:lstStyle/>
-          <a:p>
-            <a:r>
-              <a:rPr lang="es-CO">
-                <a:latin typeface="Times New Roman"/>
-              </a:rPr>
-              <a:t>Criterio C. Libertad</a:t>
-            </a:r>
-            <a:endParaRPr lang="es-CO">
-              <a:latin typeface="Times New Roman"/>
-              <a:cs typeface="Times New Roman"/>
-            </a:endParaRPr>
-          </a:p>
-        </p:txBody>
-      </p:sp>
-      <p:sp>
-        <p:nvSpPr>
-          <p:cNvPr id="28" name="TextBox 27">
-            <a:extLst>
-              <a:ext uri="{FF2B5EF4-FFF2-40B4-BE49-F238E27FC236}">
-                <a16:creationId xmlns:a16="http://schemas.microsoft.com/office/drawing/2014/main" id="{A0C7EB8D-1A2B-4B3A-BF86-02DA772B91C9}"/>
-              </a:ext>
-            </a:extLst>
-          </p:cNvPr>
-          <p:cNvSpPr txBox="1"/>
-          <p:nvPr/>
-        </p:nvSpPr>
-        <p:spPr>
-          <a:xfrm>
-            <a:off x="4152900" y="2658979"/>
-            <a:ext cx="2743200" cy="369332"/>
-          </a:xfrm>
-          <a:prstGeom prst="rect">
-            <a:avLst/>
-          </a:prstGeom>
-        </p:spPr>
-        <p:txBody>
-          <a:bodyPr rot="0" spcFirstLastPara="0" vertOverflow="overflow" horzOverflow="overflow" vert="horz" wrap="square" lIns="91440" tIns="45720" rIns="91440" bIns="45720" numCol="1" spcCol="0" rtlCol="0" fromWordArt="0" anchor="t" anchorCtr="0" forceAA="0" compatLnSpc="1">
-            <a:prstTxWarp prst="textNoShape">
-              <a:avLst/>
-            </a:prstTxWarp>
-            <a:spAutoFit/>
-          </a:bodyPr>
-          <a:lstStyle/>
-          <a:p>
-            <a:r>
-              <a:rPr lang="es-CO">
-                <a:latin typeface="Times New Roman"/>
-              </a:rPr>
-              <a:t>Criterio E. Manejo de datos</a:t>
-            </a:r>
-            <a:endParaRPr lang="en-US"/>
-          </a:p>
-        </p:txBody>
-      </p:sp>
-      <p:sp>
-        <p:nvSpPr>
-          <p:cNvPr id="30" name="TextBox 29">
-            <a:extLst>
-              <a:ext uri="{FF2B5EF4-FFF2-40B4-BE49-F238E27FC236}">
-                <a16:creationId xmlns:a16="http://schemas.microsoft.com/office/drawing/2014/main" id="{F7F7DB0F-767D-4371-A84E-233FB1D406CE}"/>
-              </a:ext>
-            </a:extLst>
-          </p:cNvPr>
-          <p:cNvSpPr txBox="1"/>
-          <p:nvPr/>
-        </p:nvSpPr>
-        <p:spPr>
-          <a:xfrm>
-            <a:off x="4152900" y="2247900"/>
-            <a:ext cx="2743200" cy="369332"/>
-          </a:xfrm>
-          <a:prstGeom prst="rect">
-            <a:avLst/>
-          </a:prstGeom>
-        </p:spPr>
-        <p:txBody>
-          <a:bodyPr rot="0" spcFirstLastPara="0" vertOverflow="overflow" horzOverflow="overflow" vert="horz" wrap="square" lIns="91440" tIns="45720" rIns="91440" bIns="45720" numCol="1" spcCol="0" rtlCol="0" fromWordArt="0" anchor="t" anchorCtr="0" forceAA="0" compatLnSpc="1">
-            <a:prstTxWarp prst="textNoShape">
-              <a:avLst/>
-            </a:prstTxWarp>
-            <a:spAutoFit/>
-          </a:bodyPr>
-          <a:lstStyle/>
-          <a:p>
-            <a:r>
-              <a:rPr lang="es-CO">
-                <a:latin typeface="Times New Roman"/>
-              </a:rPr>
-              <a:t>Criterio D. Variedad</a:t>
-            </a:r>
-            <a:endParaRPr lang="en-US"/>
+        </p:nvSpPr>
+        <p:spPr/>
+        <p:txBody>
+          <a:bodyPr/>
+          <a:lstStyle/>
+          <a:p>
+            <a:endParaRPr lang="es-CO" dirty="0"/>
+          </a:p>
+          <a:p>
+            <a:r>
+              <a:rPr lang="es-CO" dirty="0"/>
+              <a:t>Alternativa 1</a:t>
+            </a:r>
+          </a:p>
+          <a:p>
+            <a:r>
+              <a:rPr lang="es-CO" dirty="0"/>
+              <a:t>Alternativa 2</a:t>
+            </a:r>
+          </a:p>
+          <a:p>
+            <a:r>
+              <a:rPr lang="es-CO" dirty="0"/>
+              <a:t>Alternativa 3</a:t>
+            </a:r>
+          </a:p>
+          <a:p>
+            <a:r>
+              <a:rPr lang="es-CO" dirty="0"/>
+              <a:t>Alternativa 4</a:t>
+            </a:r>
           </a:p>
         </p:txBody>
       </p:sp>
     </p:spTree>
     <p:extLst>
       <p:ext uri="{BB962C8B-B14F-4D97-AF65-F5344CB8AC3E}">
-        <p14:creationId xmlns:p14="http://schemas.microsoft.com/office/powerpoint/2010/main" val="3563340458"/>
+        <p14:creationId xmlns:p14="http://schemas.microsoft.com/office/powerpoint/2010/main" val="2265644708"/>
       </p:ext>
     </p:extLst>
   </p:cSld>
